--- a/src/print_A4.pptx
+++ b/src/print_A4.pptx
@@ -6,10 +6,11 @@
   </p:sldMasterIdLst>
   <p:sldIdLst>
     <p:sldId id="258" r:id="rId2"/>
-    <p:sldId id="263" r:id="rId3"/>
-    <p:sldId id="259" r:id="rId4"/>
-    <p:sldId id="261" r:id="rId5"/>
-    <p:sldId id="262" r:id="rId6"/>
+    <p:sldId id="264" r:id="rId3"/>
+    <p:sldId id="266" r:id="rId4"/>
+    <p:sldId id="259" r:id="rId5"/>
+    <p:sldId id="261" r:id="rId6"/>
+    <p:sldId id="265" r:id="rId7"/>
   </p:sldIdLst>
   <p:sldSz cx="7559675" cy="10439400"/>
   <p:notesSz cx="6858000" cy="9144000"/>
@@ -3240,66 +3241,38 @@
       </p:pic>
       <p:pic>
         <p:nvPicPr>
-          <p:cNvPr id="1026" name="Picture 2" descr="Emacs Lisp — Wikipédia">
+          <p:cNvPr id="9" name="Image 8">
             <a:extLst>
               <a:ext uri="{FF2B5EF4-FFF2-40B4-BE49-F238E27FC236}">
-                <a16:creationId xmlns:a16="http://schemas.microsoft.com/office/drawing/2014/main" id="{26CCAD0E-65AF-40DE-B5CA-3EC79EE697A7}"/>
+                <a16:creationId xmlns:a16="http://schemas.microsoft.com/office/drawing/2014/main" id="{6627E3E5-8E9B-4A95-AD84-0D7CF494840A}"/>
               </a:ext>
             </a:extLst>
           </p:cNvPr>
           <p:cNvPicPr>
-            <a:picLocks noChangeAspect="1" noChangeArrowheads="1"/>
+            <a:picLocks noChangeAspect="1"/>
           </p:cNvPicPr>
           <p:nvPr/>
         </p:nvPicPr>
         <p:blipFill>
           <a:blip r:embed="rId5">
-            <a:duotone>
-              <a:prstClr val="black"/>
-              <a:srgbClr val="017F82">
-                <a:tint val="45000"/>
-                <a:satMod val="400000"/>
-              </a:srgbClr>
-            </a:duotone>
-            <a:alphaModFix amt="35000"/>
             <a:extLst>
-              <a:ext uri="{BEBA8EAE-BF5A-486C-A8C5-ECC9F3942E4B}">
-                <a14:imgProps xmlns:a14="http://schemas.microsoft.com/office/drawing/2010/main">
-                  <a14:imgLayer r:embed="rId6">
-                    <a14:imgEffect>
-                      <a14:artisticLineDrawing/>
-                    </a14:imgEffect>
-                  </a14:imgLayer>
-                </a14:imgProps>
-              </a:ext>
               <a:ext uri="{28A0092B-C50C-407E-A947-70E740481C1C}">
                 <a14:useLocalDpi xmlns:a14="http://schemas.microsoft.com/office/drawing/2010/main" val="0"/>
               </a:ext>
             </a:extLst>
           </a:blip>
-          <a:srcRect/>
           <a:stretch>
             <a:fillRect/>
           </a:stretch>
         </p:blipFill>
-        <p:spPr bwMode="auto">
+        <p:spPr>
           <a:xfrm>
-            <a:off x="4197297" y="3857812"/>
-            <a:ext cx="152214" cy="152214"/>
+            <a:off x="103290" y="146477"/>
+            <a:ext cx="2584347" cy="422110"/>
           </a:xfrm>
           <a:prstGeom prst="rect">
             <a:avLst/>
           </a:prstGeom>
-          <a:noFill/>
-          <a:extLst>
-            <a:ext uri="{909E8E84-426E-40DD-AFC4-6F175D3DCCD1}">
-              <a14:hiddenFill xmlns:a14="http://schemas.microsoft.com/office/drawing/2010/main">
-                <a:solidFill>
-                  <a:srgbClr val="FFFFFF"/>
-                </a:solidFill>
-              </a14:hiddenFill>
-            </a:ext>
-          </a:extLst>
         </p:spPr>
       </p:pic>
     </p:spTree>
@@ -3477,9 +3450,9 @@
           <p:nvPr/>
         </p:nvSpPr>
         <p:spPr>
-          <a:xfrm rot="21237303">
-            <a:off x="956539" y="1489414"/>
-            <a:ext cx="5646610" cy="1107996"/>
+          <a:xfrm rot="5069050">
+            <a:off x="4142305" y="3985181"/>
+            <a:ext cx="3304623" cy="1107996"/>
           </a:xfrm>
           <a:prstGeom prst="rect">
             <a:avLst/>
@@ -3508,7 +3481,7 @@
                 </a:solidFill>
                 <a:latin typeface="Lexend"/>
               </a:rPr>
-              <a:t>Salle d'activités </a:t>
+              <a:t>Activités </a:t>
             </a:r>
           </a:p>
         </p:txBody>
@@ -3540,8 +3513,8 @@
           </a:stretch>
         </p:blipFill>
         <p:spPr>
-          <a:xfrm>
-            <a:off x="4311650" y="7396890"/>
+          <a:xfrm rot="6193859">
+            <a:off x="3524540" y="6336163"/>
             <a:ext cx="2964185" cy="2964185"/>
           </a:xfrm>
           <a:prstGeom prst="rect">
@@ -3579,8 +3552,8 @@
           </a:stretch>
         </p:blipFill>
         <p:spPr>
-          <a:xfrm>
-            <a:off x="1863118" y="3221177"/>
+          <a:xfrm rot="5400000">
+            <a:off x="1148864" y="2622460"/>
             <a:ext cx="3833437" cy="3833437"/>
           </a:xfrm>
           <a:prstGeom prst="rect">
@@ -3595,10 +3568,82 @@
           </a:effectLst>
         </p:spPr>
       </p:pic>
+      <p:pic>
+        <p:nvPicPr>
+          <p:cNvPr id="9" name="Image 8">
+            <a:extLst>
+              <a:ext uri="{FF2B5EF4-FFF2-40B4-BE49-F238E27FC236}">
+                <a16:creationId xmlns:a16="http://schemas.microsoft.com/office/drawing/2014/main" id="{7DE301CB-0347-453B-9D6A-C5C6986B8871}"/>
+              </a:ext>
+            </a:extLst>
+          </p:cNvPr>
+          <p:cNvPicPr>
+            <a:picLocks noChangeAspect="1"/>
+          </p:cNvPicPr>
+          <p:nvPr/>
+        </p:nvPicPr>
+        <p:blipFill>
+          <a:blip r:embed="rId5">
+            <a:extLst>
+              <a:ext uri="{28A0092B-C50C-407E-A947-70E740481C1C}">
+                <a14:useLocalDpi xmlns:a14="http://schemas.microsoft.com/office/drawing/2010/main" val="0"/>
+              </a:ext>
+            </a:extLst>
+          </a:blip>
+          <a:stretch>
+            <a:fillRect/>
+          </a:stretch>
+        </p:blipFill>
+        <p:spPr>
+          <a:xfrm rot="5400000">
+            <a:off x="5542044" y="1596351"/>
+            <a:ext cx="2584347" cy="422110"/>
+          </a:xfrm>
+          <a:prstGeom prst="rect">
+            <a:avLst/>
+          </a:prstGeom>
+        </p:spPr>
+      </p:pic>
+      <p:pic>
+        <p:nvPicPr>
+          <p:cNvPr id="10" name="Image 9">
+            <a:extLst>
+              <a:ext uri="{FF2B5EF4-FFF2-40B4-BE49-F238E27FC236}">
+                <a16:creationId xmlns:a16="http://schemas.microsoft.com/office/drawing/2014/main" id="{6AD2DD91-E1B9-440C-95BE-36DEBFE677D2}"/>
+              </a:ext>
+            </a:extLst>
+          </p:cNvPr>
+          <p:cNvPicPr>
+            <a:picLocks noChangeAspect="1"/>
+          </p:cNvPicPr>
+          <p:nvPr/>
+        </p:nvPicPr>
+        <p:blipFill>
+          <a:blip r:embed="rId5">
+            <a:extLst>
+              <a:ext uri="{28A0092B-C50C-407E-A947-70E740481C1C}">
+                <a14:useLocalDpi xmlns:a14="http://schemas.microsoft.com/office/drawing/2010/main" val="0"/>
+              </a:ext>
+            </a:extLst>
+          </a:blip>
+          <a:stretch>
+            <a:fillRect/>
+          </a:stretch>
+        </p:blipFill>
+        <p:spPr>
+          <a:xfrm rot="5400000">
+            <a:off x="5542044" y="1596352"/>
+            <a:ext cx="2584347" cy="422110"/>
+          </a:xfrm>
+          <a:prstGeom prst="rect">
+            <a:avLst/>
+          </a:prstGeom>
+        </p:spPr>
+      </p:pic>
     </p:spTree>
     <p:extLst>
       <p:ext uri="{BB962C8B-B14F-4D97-AF65-F5344CB8AC3E}">
-        <p14:creationId xmlns:p14="http://schemas.microsoft.com/office/powerpoint/2010/main" val="3122140008"/>
+        <p14:creationId xmlns:p14="http://schemas.microsoft.com/office/powerpoint/2010/main" val="667407042"/>
       </p:ext>
     </p:extLst>
   </p:cSld>
@@ -3757,48 +3802,12 @@
           </a:p>
         </p:txBody>
       </p:sp>
-      <p:pic>
-        <p:nvPicPr>
-          <p:cNvPr id="40" name="Image 39">
+      <p:sp>
+        <p:nvSpPr>
+          <p:cNvPr id="19" name="ZoneTexte 18">
             <a:extLst>
               <a:ext uri="{FF2B5EF4-FFF2-40B4-BE49-F238E27FC236}">
-                <a16:creationId xmlns:a16="http://schemas.microsoft.com/office/drawing/2014/main" id="{6B0EF4BF-5CBE-406E-8536-7B5455F27FF2}"/>
-              </a:ext>
-            </a:extLst>
-          </p:cNvPr>
-          <p:cNvPicPr>
-            <a:picLocks noChangeAspect="1"/>
-          </p:cNvPicPr>
-          <p:nvPr/>
-        </p:nvPicPr>
-        <p:blipFill>
-          <a:blip r:embed="rId2">
-            <a:extLst>
-              <a:ext uri="{28A0092B-C50C-407E-A947-70E740481C1C}">
-                <a14:useLocalDpi xmlns:a14="http://schemas.microsoft.com/office/drawing/2010/main" val="0"/>
-              </a:ext>
-            </a:extLst>
-          </a:blip>
-          <a:stretch>
-            <a:fillRect/>
-          </a:stretch>
-        </p:blipFill>
-        <p:spPr>
-          <a:xfrm>
-            <a:off x="3633726" y="6448159"/>
-            <a:ext cx="3619867" cy="3619867"/>
-          </a:xfrm>
-          <a:prstGeom prst="rect">
-            <a:avLst/>
-          </a:prstGeom>
-        </p:spPr>
-      </p:pic>
-      <p:sp>
-        <p:nvSpPr>
-          <p:cNvPr id="9" name="ZoneTexte 8">
-            <a:extLst>
-              <a:ext uri="{FF2B5EF4-FFF2-40B4-BE49-F238E27FC236}">
-                <a16:creationId xmlns:a16="http://schemas.microsoft.com/office/drawing/2014/main" id="{2D7D3083-F0C9-4B75-AF09-908DF3868033}"/>
+                <a16:creationId xmlns:a16="http://schemas.microsoft.com/office/drawing/2014/main" id="{421123BA-BB49-4177-B7DB-E4551E245846}"/>
               </a:ext>
             </a:extLst>
           </p:cNvPr>
@@ -3806,9 +3815,9 @@
           <p:nvPr/>
         </p:nvSpPr>
         <p:spPr>
-          <a:xfrm rot="21063398">
-            <a:off x="1294893" y="854148"/>
-            <a:ext cx="4969887" cy="1107996"/>
+          <a:xfrm rot="5069050">
+            <a:off x="4142305" y="3985181"/>
+            <a:ext cx="3304623" cy="1107996"/>
           </a:xfrm>
           <a:prstGeom prst="rect">
             <a:avLst/>
@@ -3837,17 +3846,53 @@
                 </a:solidFill>
                 <a:latin typeface="Lexend"/>
               </a:rPr>
-              <a:t>Amphithéâtre</a:t>
+              <a:t>Activités </a:t>
             </a:r>
           </a:p>
         </p:txBody>
       </p:sp>
       <p:pic>
         <p:nvPicPr>
-          <p:cNvPr id="3" name="Graphique 2">
+          <p:cNvPr id="40" name="Image 39">
             <a:extLst>
               <a:ext uri="{FF2B5EF4-FFF2-40B4-BE49-F238E27FC236}">
-                <a16:creationId xmlns:a16="http://schemas.microsoft.com/office/drawing/2014/main" id="{339A79A1-0D4A-4BC0-BB26-485FB4CABE42}"/>
+                <a16:creationId xmlns:a16="http://schemas.microsoft.com/office/drawing/2014/main" id="{6B0EF4BF-5CBE-406E-8536-7B5455F27FF2}"/>
+              </a:ext>
+            </a:extLst>
+          </p:cNvPr>
+          <p:cNvPicPr>
+            <a:picLocks noChangeAspect="1"/>
+          </p:cNvPicPr>
+          <p:nvPr/>
+        </p:nvPicPr>
+        <p:blipFill>
+          <a:blip r:embed="rId2">
+            <a:extLst>
+              <a:ext uri="{28A0092B-C50C-407E-A947-70E740481C1C}">
+                <a14:useLocalDpi xmlns:a14="http://schemas.microsoft.com/office/drawing/2010/main" val="0"/>
+              </a:ext>
+            </a:extLst>
+          </a:blip>
+          <a:stretch>
+            <a:fillRect/>
+          </a:stretch>
+        </p:blipFill>
+        <p:spPr>
+          <a:xfrm rot="6193859">
+            <a:off x="3524540" y="6336163"/>
+            <a:ext cx="2964185" cy="2964185"/>
+          </a:xfrm>
+          <a:prstGeom prst="rect">
+            <a:avLst/>
+          </a:prstGeom>
+        </p:spPr>
+      </p:pic>
+      <p:pic>
+        <p:nvPicPr>
+          <p:cNvPr id="3" name="Graphique 2" descr="Avis des clients avec un remplissage uni">
+            <a:extLst>
+              <a:ext uri="{FF2B5EF4-FFF2-40B4-BE49-F238E27FC236}">
+                <a16:creationId xmlns:a16="http://schemas.microsoft.com/office/drawing/2014/main" id="{10390C32-5642-4866-A391-575A0BE18BEB}"/>
               </a:ext>
             </a:extLst>
           </p:cNvPr>
@@ -3872,15 +3917,15 @@
           </a:stretch>
         </p:blipFill>
         <p:spPr>
-          <a:xfrm>
-            <a:off x="225757" y="2531313"/>
-            <a:ext cx="6481730" cy="6481730"/>
+          <a:xfrm rot="5400000">
+            <a:off x="1148864" y="2622460"/>
+            <a:ext cx="3833437" cy="3833437"/>
           </a:xfrm>
           <a:prstGeom prst="rect">
             <a:avLst/>
           </a:prstGeom>
           <a:effectLst>
-            <a:outerShdw blurRad="177800" dist="38100" dir="2700000" sx="101000" sy="101000" algn="tl" rotWithShape="0">
+            <a:outerShdw blurRad="50800" dist="38100" dir="2700000" algn="tl" rotWithShape="0">
               <a:prstClr val="black">
                 <a:alpha val="40000"/>
               </a:prstClr>
@@ -3888,10 +3933,46 @@
           </a:effectLst>
         </p:spPr>
       </p:pic>
+      <p:pic>
+        <p:nvPicPr>
+          <p:cNvPr id="9" name="Image 8">
+            <a:extLst>
+              <a:ext uri="{FF2B5EF4-FFF2-40B4-BE49-F238E27FC236}">
+                <a16:creationId xmlns:a16="http://schemas.microsoft.com/office/drawing/2014/main" id="{7DE301CB-0347-453B-9D6A-C5C6986B8871}"/>
+              </a:ext>
+            </a:extLst>
+          </p:cNvPr>
+          <p:cNvPicPr>
+            <a:picLocks noChangeAspect="1"/>
+          </p:cNvPicPr>
+          <p:nvPr/>
+        </p:nvPicPr>
+        <p:blipFill>
+          <a:blip r:embed="rId5">
+            <a:extLst>
+              <a:ext uri="{28A0092B-C50C-407E-A947-70E740481C1C}">
+                <a14:useLocalDpi xmlns:a14="http://schemas.microsoft.com/office/drawing/2010/main" val="0"/>
+              </a:ext>
+            </a:extLst>
+          </a:blip>
+          <a:stretch>
+            <a:fillRect/>
+          </a:stretch>
+        </p:blipFill>
+        <p:spPr>
+          <a:xfrm rot="5400000">
+            <a:off x="5542044" y="1596351"/>
+            <a:ext cx="2584347" cy="422110"/>
+          </a:xfrm>
+          <a:prstGeom prst="rect">
+            <a:avLst/>
+          </a:prstGeom>
+        </p:spPr>
+      </p:pic>
     </p:spTree>
     <p:extLst>
       <p:ext uri="{BB962C8B-B14F-4D97-AF65-F5344CB8AC3E}">
-        <p14:creationId xmlns:p14="http://schemas.microsoft.com/office/powerpoint/2010/main" val="2634167647"/>
+        <p14:creationId xmlns:p14="http://schemas.microsoft.com/office/powerpoint/2010/main" val="2897148"/>
       </p:ext>
     </p:extLst>
   </p:cSld>
@@ -4050,12 +4131,48 @@
           </a:p>
         </p:txBody>
       </p:sp>
-      <p:sp>
-        <p:nvSpPr>
-          <p:cNvPr id="19" name="ZoneTexte 18">
+      <p:pic>
+        <p:nvPicPr>
+          <p:cNvPr id="40" name="Image 39">
             <a:extLst>
               <a:ext uri="{FF2B5EF4-FFF2-40B4-BE49-F238E27FC236}">
-                <a16:creationId xmlns:a16="http://schemas.microsoft.com/office/drawing/2014/main" id="{421123BA-BB49-4177-B7DB-E4551E245846}"/>
+                <a16:creationId xmlns:a16="http://schemas.microsoft.com/office/drawing/2014/main" id="{6B0EF4BF-5CBE-406E-8536-7B5455F27FF2}"/>
+              </a:ext>
+            </a:extLst>
+          </p:cNvPr>
+          <p:cNvPicPr>
+            <a:picLocks noChangeAspect="1"/>
+          </p:cNvPicPr>
+          <p:nvPr/>
+        </p:nvPicPr>
+        <p:blipFill>
+          <a:blip r:embed="rId2">
+            <a:extLst>
+              <a:ext uri="{28A0092B-C50C-407E-A947-70E740481C1C}">
+                <a14:useLocalDpi xmlns:a14="http://schemas.microsoft.com/office/drawing/2010/main" val="0"/>
+              </a:ext>
+            </a:extLst>
+          </a:blip>
+          <a:stretch>
+            <a:fillRect/>
+          </a:stretch>
+        </p:blipFill>
+        <p:spPr>
+          <a:xfrm>
+            <a:off x="3633726" y="6448159"/>
+            <a:ext cx="3619867" cy="3619867"/>
+          </a:xfrm>
+          <a:prstGeom prst="rect">
+            <a:avLst/>
+          </a:prstGeom>
+        </p:spPr>
+      </p:pic>
+      <p:sp>
+        <p:nvSpPr>
+          <p:cNvPr id="9" name="ZoneTexte 8">
+            <a:extLst>
+              <a:ext uri="{FF2B5EF4-FFF2-40B4-BE49-F238E27FC236}">
+                <a16:creationId xmlns:a16="http://schemas.microsoft.com/office/drawing/2014/main" id="{2D7D3083-F0C9-4B75-AF09-908DF3868033}"/>
               </a:ext>
             </a:extLst>
           </p:cNvPr>
@@ -4063,9 +4180,9 @@
           <p:nvPr/>
         </p:nvSpPr>
         <p:spPr>
-          <a:xfrm rot="4966865">
-            <a:off x="4322964" y="3978436"/>
-            <a:ext cx="4101316" cy="923330"/>
+          <a:xfrm rot="21063398">
+            <a:off x="1294893" y="854148"/>
+            <a:ext cx="4969887" cy="1107996"/>
           </a:xfrm>
           <a:prstGeom prst="rect">
             <a:avLst/>
@@ -4088,7 +4205,7 @@
           <a:lstStyle/>
           <a:p>
             <a:r>
-              <a:rPr lang="fr-FR" sz="5400" dirty="0">
+              <a:rPr lang="fr-FR" sz="6600" dirty="0">
                 <a:solidFill>
                   <a:schemeClr val="bg1"/>
                 </a:solidFill>
@@ -4101,46 +4218,10 @@
       </p:sp>
       <p:pic>
         <p:nvPicPr>
-          <p:cNvPr id="40" name="Image 39">
+          <p:cNvPr id="3" name="Graphique 2">
             <a:extLst>
               <a:ext uri="{FF2B5EF4-FFF2-40B4-BE49-F238E27FC236}">
-                <a16:creationId xmlns:a16="http://schemas.microsoft.com/office/drawing/2014/main" id="{6B0EF4BF-5CBE-406E-8536-7B5455F27FF2}"/>
-              </a:ext>
-            </a:extLst>
-          </p:cNvPr>
-          <p:cNvPicPr>
-            <a:picLocks noChangeAspect="1"/>
-          </p:cNvPicPr>
-          <p:nvPr/>
-        </p:nvPicPr>
-        <p:blipFill>
-          <a:blip r:embed="rId2">
-            <a:extLst>
-              <a:ext uri="{28A0092B-C50C-407E-A947-70E740481C1C}">
-                <a14:useLocalDpi xmlns:a14="http://schemas.microsoft.com/office/drawing/2010/main" val="0"/>
-              </a:ext>
-            </a:extLst>
-          </a:blip>
-          <a:stretch>
-            <a:fillRect/>
-          </a:stretch>
-        </p:blipFill>
-        <p:spPr>
-          <a:xfrm rot="5642246">
-            <a:off x="196472" y="6964508"/>
-            <a:ext cx="2950803" cy="2950803"/>
-          </a:xfrm>
-          <a:prstGeom prst="rect">
-            <a:avLst/>
-          </a:prstGeom>
-        </p:spPr>
-      </p:pic>
-      <p:pic>
-        <p:nvPicPr>
-          <p:cNvPr id="7" name="Graphique 6" descr="Flèche : droite avec un remplissage uni">
-            <a:extLst>
-              <a:ext uri="{FF2B5EF4-FFF2-40B4-BE49-F238E27FC236}">
-                <a16:creationId xmlns:a16="http://schemas.microsoft.com/office/drawing/2014/main" id="{CAE51AD0-8B34-4659-97B0-6ADB02ED2971}"/>
+                <a16:creationId xmlns:a16="http://schemas.microsoft.com/office/drawing/2014/main" id="{339A79A1-0D4A-4BC0-BB26-485FB4CABE42}"/>
               </a:ext>
             </a:extLst>
           </p:cNvPr>
@@ -4165,15 +4246,15 @@
           </a:stretch>
         </p:blipFill>
         <p:spPr>
-          <a:xfrm rot="16200000" flipH="1">
-            <a:off x="1337030" y="306593"/>
-            <a:ext cx="4514807" cy="3668981"/>
+          <a:xfrm>
+            <a:off x="225757" y="2531313"/>
+            <a:ext cx="6481730" cy="6481730"/>
           </a:xfrm>
           <a:prstGeom prst="rect">
             <a:avLst/>
           </a:prstGeom>
           <a:effectLst>
-            <a:outerShdw blurRad="50800" dist="38100" dir="2700000" algn="tl" rotWithShape="0">
+            <a:outerShdw blurRad="177800" dist="38100" dir="2700000" sx="101000" sy="101000" algn="tl" rotWithShape="0">
               <a:prstClr val="black">
                 <a:alpha val="40000"/>
               </a:prstClr>
@@ -4183,10 +4264,10 @@
       </p:pic>
       <p:pic>
         <p:nvPicPr>
-          <p:cNvPr id="9" name="Graphique 8">
+          <p:cNvPr id="6" name="Image 5">
             <a:extLst>
               <a:ext uri="{FF2B5EF4-FFF2-40B4-BE49-F238E27FC236}">
-                <a16:creationId xmlns:a16="http://schemas.microsoft.com/office/drawing/2014/main" id="{81690DFD-9FC3-4CA0-8069-4A5DC6662926}"/>
+                <a16:creationId xmlns:a16="http://schemas.microsoft.com/office/drawing/2014/main" id="{4F67AB4A-D96C-4E76-BEC1-5ADD91540272}"/>
               </a:ext>
             </a:extLst>
           </p:cNvPr>
@@ -4201,9 +4282,6 @@
               <a:ext uri="{28A0092B-C50C-407E-A947-70E740481C1C}">
                 <a14:useLocalDpi xmlns:a14="http://schemas.microsoft.com/office/drawing/2010/main" val="0"/>
               </a:ext>
-              <a:ext uri="{96DAC541-7B7A-43D3-8B79-37D633B846F1}">
-                <asvg:svgBlip xmlns:asvg="http://schemas.microsoft.com/office/drawing/2016/SVG/main" r:embed="rId6"/>
-              </a:ext>
             </a:extLst>
           </a:blip>
           <a:stretch>
@@ -4211,26 +4289,19 @@
           </a:stretch>
         </p:blipFill>
         <p:spPr>
-          <a:xfrm rot="5400000">
-            <a:off x="1775212" y="3435781"/>
-            <a:ext cx="4039787" cy="4039787"/>
+          <a:xfrm>
+            <a:off x="103290" y="146477"/>
+            <a:ext cx="2584347" cy="422110"/>
           </a:xfrm>
           <a:prstGeom prst="rect">
             <a:avLst/>
           </a:prstGeom>
-          <a:effectLst>
-            <a:outerShdw blurRad="50800" dist="38100" dir="8100000" algn="tr" rotWithShape="0">
-              <a:prstClr val="black">
-                <a:alpha val="40000"/>
-              </a:prstClr>
-            </a:outerShdw>
-          </a:effectLst>
         </p:spPr>
       </p:pic>
     </p:spTree>
     <p:extLst>
       <p:ext uri="{BB962C8B-B14F-4D97-AF65-F5344CB8AC3E}">
-        <p14:creationId xmlns:p14="http://schemas.microsoft.com/office/powerpoint/2010/main" val="3514836187"/>
+        <p14:creationId xmlns:p14="http://schemas.microsoft.com/office/powerpoint/2010/main" val="2634167647"/>
       </p:ext>
     </p:extLst>
   </p:cSld>
@@ -4403,7 +4474,7 @@
         </p:nvSpPr>
         <p:spPr>
           <a:xfrm rot="4966865">
-            <a:off x="4322964" y="3978436"/>
+            <a:off x="3952850" y="5034352"/>
             <a:ext cx="4101316" cy="923330"/>
           </a:xfrm>
           <a:prstGeom prst="rect">
@@ -4505,7 +4576,7 @@
         </p:blipFill>
         <p:spPr>
           <a:xfrm rot="16200000" flipH="1">
-            <a:off x="1337030" y="306593"/>
+            <a:off x="966916" y="1362509"/>
             <a:ext cx="4514807" cy="3668981"/>
           </a:xfrm>
           <a:prstGeom prst="rect">
@@ -4551,7 +4622,7 @@
         </p:blipFill>
         <p:spPr>
           <a:xfrm rot="5400000">
-            <a:off x="1775212" y="3435781"/>
+            <a:off x="1405098" y="4491697"/>
             <a:ext cx="4039787" cy="4039787"/>
           </a:xfrm>
           <a:prstGeom prst="rect">
@@ -4566,10 +4637,421 @@
           </a:effectLst>
         </p:spPr>
       </p:pic>
+      <p:pic>
+        <p:nvPicPr>
+          <p:cNvPr id="10" name="Image 9">
+            <a:extLst>
+              <a:ext uri="{FF2B5EF4-FFF2-40B4-BE49-F238E27FC236}">
+                <a16:creationId xmlns:a16="http://schemas.microsoft.com/office/drawing/2014/main" id="{852D93F6-D7CD-4140-8410-405B81D3DFCE}"/>
+              </a:ext>
+            </a:extLst>
+          </p:cNvPr>
+          <p:cNvPicPr>
+            <a:picLocks noChangeAspect="1"/>
+          </p:cNvPicPr>
+          <p:nvPr/>
+        </p:nvPicPr>
+        <p:blipFill>
+          <a:blip r:embed="rId7">
+            <a:extLst>
+              <a:ext uri="{28A0092B-C50C-407E-A947-70E740481C1C}">
+                <a14:useLocalDpi xmlns:a14="http://schemas.microsoft.com/office/drawing/2010/main" val="0"/>
+              </a:ext>
+            </a:extLst>
+          </a:blip>
+          <a:stretch>
+            <a:fillRect/>
+          </a:stretch>
+        </p:blipFill>
+        <p:spPr>
+          <a:xfrm rot="5400000">
+            <a:off x="5542044" y="1596351"/>
+            <a:ext cx="2584347" cy="422110"/>
+          </a:xfrm>
+          <a:prstGeom prst="rect">
+            <a:avLst/>
+          </a:prstGeom>
+        </p:spPr>
+      </p:pic>
     </p:spTree>
     <p:extLst>
       <p:ext uri="{BB962C8B-B14F-4D97-AF65-F5344CB8AC3E}">
-        <p14:creationId xmlns:p14="http://schemas.microsoft.com/office/powerpoint/2010/main" val="2555925052"/>
+        <p14:creationId xmlns:p14="http://schemas.microsoft.com/office/powerpoint/2010/main" val="3514836187"/>
+      </p:ext>
+    </p:extLst>
+  </p:cSld>
+  <p:clrMapOvr>
+    <a:masterClrMapping/>
+  </p:clrMapOvr>
+</p:sld>
+</file>
+
+<file path=ppt/slides/slide6.xml><?xml version="1.0" encoding="utf-8"?>
+<p:sld xmlns:a="http://schemas.openxmlformats.org/drawingml/2006/main" xmlns:r="http://schemas.openxmlformats.org/officeDocument/2006/relationships" xmlns:p="http://schemas.openxmlformats.org/presentationml/2006/main">
+  <p:cSld>
+    <p:spTree>
+      <p:nvGrpSpPr>
+        <p:cNvPr id="1" name=""/>
+        <p:cNvGrpSpPr/>
+        <p:nvPr/>
+      </p:nvGrpSpPr>
+      <p:grpSpPr>
+        <a:xfrm>
+          <a:off x="0" y="0"/>
+          <a:ext cx="0" cy="0"/>
+          <a:chOff x="0" y="0"/>
+          <a:chExt cx="0" cy="0"/>
+        </a:xfrm>
+      </p:grpSpPr>
+      <p:sp>
+        <p:nvSpPr>
+          <p:cNvPr id="8" name="Forme libre : forme 7">
+            <a:extLst>
+              <a:ext uri="{FF2B5EF4-FFF2-40B4-BE49-F238E27FC236}">
+                <a16:creationId xmlns:a16="http://schemas.microsoft.com/office/drawing/2014/main" id="{486EE8FA-A270-4CA1-A7C4-026C05D3B99D}"/>
+              </a:ext>
+            </a:extLst>
+          </p:cNvPr>
+          <p:cNvSpPr/>
+          <p:nvPr/>
+        </p:nvSpPr>
+        <p:spPr>
+          <a:xfrm>
+            <a:off x="176947" y="-605642"/>
+            <a:ext cx="7684518" cy="12122634"/>
+          </a:xfrm>
+          <a:custGeom>
+            <a:avLst/>
+            <a:gdLst>
+              <a:gd name="connsiteX0" fmla="*/ 2031863 w 7684518"/>
+              <a:gd name="connsiteY0" fmla="*/ 0 h 12122634"/>
+              <a:gd name="connsiteX1" fmla="*/ 559323 w 7684518"/>
+              <a:gd name="connsiteY1" fmla="*/ 1900052 h 12122634"/>
+              <a:gd name="connsiteX2" fmla="*/ 1628102 w 7684518"/>
+              <a:gd name="connsiteY2" fmla="*/ 5427024 h 12122634"/>
+              <a:gd name="connsiteX3" fmla="*/ 72435 w 7684518"/>
+              <a:gd name="connsiteY3" fmla="*/ 11614068 h 12122634"/>
+              <a:gd name="connsiteX4" fmla="*/ 4430679 w 7684518"/>
+              <a:gd name="connsiteY4" fmla="*/ 11519065 h 12122634"/>
+              <a:gd name="connsiteX5" fmla="*/ 3445027 w 7684518"/>
+              <a:gd name="connsiteY5" fmla="*/ 9512136 h 12122634"/>
+              <a:gd name="connsiteX6" fmla="*/ 7684518 w 7684518"/>
+              <a:gd name="connsiteY6" fmla="*/ 6531429 h 12122634"/>
+            </a:gdLst>
+            <a:ahLst/>
+            <a:cxnLst>
+              <a:cxn ang="0">
+                <a:pos x="connsiteX0" y="connsiteY0"/>
+              </a:cxn>
+              <a:cxn ang="0">
+                <a:pos x="connsiteX1" y="connsiteY1"/>
+              </a:cxn>
+              <a:cxn ang="0">
+                <a:pos x="connsiteX2" y="connsiteY2"/>
+              </a:cxn>
+              <a:cxn ang="0">
+                <a:pos x="connsiteX3" y="connsiteY3"/>
+              </a:cxn>
+              <a:cxn ang="0">
+                <a:pos x="connsiteX4" y="connsiteY4"/>
+              </a:cxn>
+              <a:cxn ang="0">
+                <a:pos x="connsiteX5" y="connsiteY5"/>
+              </a:cxn>
+              <a:cxn ang="0">
+                <a:pos x="connsiteX6" y="connsiteY6"/>
+              </a:cxn>
+            </a:cxnLst>
+            <a:rect l="l" t="t" r="r" b="b"/>
+            <a:pathLst>
+              <a:path w="7684518" h="12122634">
+                <a:moveTo>
+                  <a:pt x="2031863" y="0"/>
+                </a:moveTo>
+                <a:cubicBezTo>
+                  <a:pt x="1329239" y="497774"/>
+                  <a:pt x="626616" y="995548"/>
+                  <a:pt x="559323" y="1900052"/>
+                </a:cubicBezTo>
+                <a:cubicBezTo>
+                  <a:pt x="492030" y="2804556"/>
+                  <a:pt x="1709250" y="3808021"/>
+                  <a:pt x="1628102" y="5427024"/>
+                </a:cubicBezTo>
+                <a:cubicBezTo>
+                  <a:pt x="1546954" y="7046027"/>
+                  <a:pt x="-394661" y="10598728"/>
+                  <a:pt x="72435" y="11614068"/>
+                </a:cubicBezTo>
+                <a:cubicBezTo>
+                  <a:pt x="539531" y="12629408"/>
+                  <a:pt x="3868580" y="11869387"/>
+                  <a:pt x="4430679" y="11519065"/>
+                </a:cubicBezTo>
+                <a:cubicBezTo>
+                  <a:pt x="4992778" y="11168743"/>
+                  <a:pt x="2902721" y="10343409"/>
+                  <a:pt x="3445027" y="9512136"/>
+                </a:cubicBezTo>
+                <a:cubicBezTo>
+                  <a:pt x="3987333" y="8680863"/>
+                  <a:pt x="6647406" y="7020297"/>
+                  <a:pt x="7684518" y="6531429"/>
+                </a:cubicBezTo>
+              </a:path>
+            </a:pathLst>
+          </a:custGeom>
+          <a:noFill/>
+          <a:ln w="76200">
+            <a:solidFill>
+              <a:srgbClr val="017F82">
+                <a:alpha val="50196"/>
+              </a:srgbClr>
+            </a:solidFill>
+          </a:ln>
+        </p:spPr>
+        <p:style>
+          <a:lnRef idx="2">
+            <a:schemeClr val="accent1">
+              <a:shade val="50000"/>
+            </a:schemeClr>
+          </a:lnRef>
+          <a:fillRef idx="1">
+            <a:schemeClr val="accent1"/>
+          </a:fillRef>
+          <a:effectRef idx="0">
+            <a:schemeClr val="accent1"/>
+          </a:effectRef>
+          <a:fontRef idx="minor">
+            <a:schemeClr val="lt1"/>
+          </a:fontRef>
+        </p:style>
+        <p:txBody>
+          <a:bodyPr rtlCol="0" anchor="ctr"/>
+          <a:lstStyle/>
+          <a:p>
+            <a:pPr algn="ctr"/>
+            <a:endParaRPr lang="fr-FR"/>
+          </a:p>
+        </p:txBody>
+      </p:sp>
+      <p:sp>
+        <p:nvSpPr>
+          <p:cNvPr id="19" name="ZoneTexte 18">
+            <a:extLst>
+              <a:ext uri="{FF2B5EF4-FFF2-40B4-BE49-F238E27FC236}">
+                <a16:creationId xmlns:a16="http://schemas.microsoft.com/office/drawing/2014/main" id="{421123BA-BB49-4177-B7DB-E4551E245846}"/>
+              </a:ext>
+            </a:extLst>
+          </p:cNvPr>
+          <p:cNvSpPr txBox="1"/>
+          <p:nvPr/>
+        </p:nvSpPr>
+        <p:spPr>
+          <a:xfrm rot="4966865">
+            <a:off x="3952850" y="5034352"/>
+            <a:ext cx="4101316" cy="923330"/>
+          </a:xfrm>
+          <a:prstGeom prst="rect">
+            <a:avLst/>
+          </a:prstGeom>
+          <a:solidFill>
+            <a:srgbClr val="835B9B"/>
+          </a:solidFill>
+          <a:effectLst>
+            <a:outerShdw blurRad="50800" dist="38100" dir="8100000" algn="tr" rotWithShape="0">
+              <a:prstClr val="black">
+                <a:alpha val="40000"/>
+              </a:prstClr>
+            </a:outerShdw>
+          </a:effectLst>
+        </p:spPr>
+        <p:txBody>
+          <a:bodyPr wrap="none" rtlCol="0">
+            <a:spAutoFit/>
+          </a:bodyPr>
+          <a:lstStyle/>
+          <a:p>
+            <a:r>
+              <a:rPr lang="fr-FR" sz="5400" dirty="0">
+                <a:solidFill>
+                  <a:schemeClr val="bg1"/>
+                </a:solidFill>
+                <a:latin typeface="Lexend"/>
+              </a:rPr>
+              <a:t>Amphithéâtre</a:t>
+            </a:r>
+          </a:p>
+        </p:txBody>
+      </p:sp>
+      <p:pic>
+        <p:nvPicPr>
+          <p:cNvPr id="40" name="Image 39">
+            <a:extLst>
+              <a:ext uri="{FF2B5EF4-FFF2-40B4-BE49-F238E27FC236}">
+                <a16:creationId xmlns:a16="http://schemas.microsoft.com/office/drawing/2014/main" id="{6B0EF4BF-5CBE-406E-8536-7B5455F27FF2}"/>
+              </a:ext>
+            </a:extLst>
+          </p:cNvPr>
+          <p:cNvPicPr>
+            <a:picLocks noChangeAspect="1"/>
+          </p:cNvPicPr>
+          <p:nvPr/>
+        </p:nvPicPr>
+        <p:blipFill>
+          <a:blip r:embed="rId2">
+            <a:extLst>
+              <a:ext uri="{28A0092B-C50C-407E-A947-70E740481C1C}">
+                <a14:useLocalDpi xmlns:a14="http://schemas.microsoft.com/office/drawing/2010/main" val="0"/>
+              </a:ext>
+            </a:extLst>
+          </a:blip>
+          <a:stretch>
+            <a:fillRect/>
+          </a:stretch>
+        </p:blipFill>
+        <p:spPr>
+          <a:xfrm rot="5642246">
+            <a:off x="196472" y="6964508"/>
+            <a:ext cx="2950803" cy="2950803"/>
+          </a:xfrm>
+          <a:prstGeom prst="rect">
+            <a:avLst/>
+          </a:prstGeom>
+        </p:spPr>
+      </p:pic>
+      <p:pic>
+        <p:nvPicPr>
+          <p:cNvPr id="7" name="Graphique 6" descr="Flèche : droite avec un remplissage uni">
+            <a:extLst>
+              <a:ext uri="{FF2B5EF4-FFF2-40B4-BE49-F238E27FC236}">
+                <a16:creationId xmlns:a16="http://schemas.microsoft.com/office/drawing/2014/main" id="{CAE51AD0-8B34-4659-97B0-6ADB02ED2971}"/>
+              </a:ext>
+            </a:extLst>
+          </p:cNvPr>
+          <p:cNvPicPr>
+            <a:picLocks noChangeAspect="1"/>
+          </p:cNvPicPr>
+          <p:nvPr/>
+        </p:nvPicPr>
+        <p:blipFill>
+          <a:blip r:embed="rId3">
+            <a:extLst>
+              <a:ext uri="{28A0092B-C50C-407E-A947-70E740481C1C}">
+                <a14:useLocalDpi xmlns:a14="http://schemas.microsoft.com/office/drawing/2010/main" val="0"/>
+              </a:ext>
+              <a:ext uri="{96DAC541-7B7A-43D3-8B79-37D633B846F1}">
+                <asvg:svgBlip xmlns:asvg="http://schemas.microsoft.com/office/drawing/2016/SVG/main" r:embed="rId4"/>
+              </a:ext>
+            </a:extLst>
+          </a:blip>
+          <a:stretch>
+            <a:fillRect/>
+          </a:stretch>
+        </p:blipFill>
+        <p:spPr>
+          <a:xfrm rot="16200000" flipH="1">
+            <a:off x="966916" y="1362509"/>
+            <a:ext cx="4514807" cy="3668981"/>
+          </a:xfrm>
+          <a:prstGeom prst="rect">
+            <a:avLst/>
+          </a:prstGeom>
+          <a:effectLst>
+            <a:outerShdw blurRad="50800" dist="38100" dir="2700000" algn="tl" rotWithShape="0">
+              <a:prstClr val="black">
+                <a:alpha val="40000"/>
+              </a:prstClr>
+            </a:outerShdw>
+          </a:effectLst>
+        </p:spPr>
+      </p:pic>
+      <p:pic>
+        <p:nvPicPr>
+          <p:cNvPr id="9" name="Graphique 8">
+            <a:extLst>
+              <a:ext uri="{FF2B5EF4-FFF2-40B4-BE49-F238E27FC236}">
+                <a16:creationId xmlns:a16="http://schemas.microsoft.com/office/drawing/2014/main" id="{81690DFD-9FC3-4CA0-8069-4A5DC6662926}"/>
+              </a:ext>
+            </a:extLst>
+          </p:cNvPr>
+          <p:cNvPicPr>
+            <a:picLocks noChangeAspect="1"/>
+          </p:cNvPicPr>
+          <p:nvPr/>
+        </p:nvPicPr>
+        <p:blipFill>
+          <a:blip r:embed="rId5">
+            <a:extLst>
+              <a:ext uri="{28A0092B-C50C-407E-A947-70E740481C1C}">
+                <a14:useLocalDpi xmlns:a14="http://schemas.microsoft.com/office/drawing/2010/main" val="0"/>
+              </a:ext>
+              <a:ext uri="{96DAC541-7B7A-43D3-8B79-37D633B846F1}">
+                <asvg:svgBlip xmlns:asvg="http://schemas.microsoft.com/office/drawing/2016/SVG/main" r:embed="rId6"/>
+              </a:ext>
+            </a:extLst>
+          </a:blip>
+          <a:stretch>
+            <a:fillRect/>
+          </a:stretch>
+        </p:blipFill>
+        <p:spPr>
+          <a:xfrm rot="5400000">
+            <a:off x="1405098" y="4491697"/>
+            <a:ext cx="4039787" cy="4039787"/>
+          </a:xfrm>
+          <a:prstGeom prst="rect">
+            <a:avLst/>
+          </a:prstGeom>
+          <a:effectLst>
+            <a:outerShdw blurRad="50800" dist="38100" dir="8100000" algn="tr" rotWithShape="0">
+              <a:prstClr val="black">
+                <a:alpha val="40000"/>
+              </a:prstClr>
+            </a:outerShdw>
+          </a:effectLst>
+        </p:spPr>
+      </p:pic>
+      <p:pic>
+        <p:nvPicPr>
+          <p:cNvPr id="10" name="Image 9">
+            <a:extLst>
+              <a:ext uri="{FF2B5EF4-FFF2-40B4-BE49-F238E27FC236}">
+                <a16:creationId xmlns:a16="http://schemas.microsoft.com/office/drawing/2014/main" id="{852D93F6-D7CD-4140-8410-405B81D3DFCE}"/>
+              </a:ext>
+            </a:extLst>
+          </p:cNvPr>
+          <p:cNvPicPr>
+            <a:picLocks noChangeAspect="1"/>
+          </p:cNvPicPr>
+          <p:nvPr/>
+        </p:nvPicPr>
+        <p:blipFill>
+          <a:blip r:embed="rId7">
+            <a:extLst>
+              <a:ext uri="{28A0092B-C50C-407E-A947-70E740481C1C}">
+                <a14:useLocalDpi xmlns:a14="http://schemas.microsoft.com/office/drawing/2010/main" val="0"/>
+              </a:ext>
+            </a:extLst>
+          </a:blip>
+          <a:stretch>
+            <a:fillRect/>
+          </a:stretch>
+        </p:blipFill>
+        <p:spPr>
+          <a:xfrm rot="5400000">
+            <a:off x="5542044" y="1596351"/>
+            <a:ext cx="2584347" cy="422110"/>
+          </a:xfrm>
+          <a:prstGeom prst="rect">
+            <a:avLst/>
+          </a:prstGeom>
+        </p:spPr>
+      </p:pic>
+    </p:spTree>
+    <p:extLst>
+      <p:ext uri="{BB962C8B-B14F-4D97-AF65-F5344CB8AC3E}">
+        <p14:creationId xmlns:p14="http://schemas.microsoft.com/office/powerpoint/2010/main" val="1506223473"/>
       </p:ext>
     </p:extLst>
   </p:cSld>
